--- a/meetup-sept-13.pptx
+++ b/meetup-sept-13.pptx
@@ -7,12 +7,11 @@
   <p:sldIdLst>
     <p:sldId id="256" r:id="rId2"/>
     <p:sldId id="258" r:id="rId3"/>
-    <p:sldId id="257" r:id="rId4"/>
-    <p:sldId id="259" r:id="rId5"/>
-    <p:sldId id="260" r:id="rId6"/>
-    <p:sldId id="261" r:id="rId7"/>
-    <p:sldId id="262" r:id="rId8"/>
-    <p:sldId id="263" r:id="rId9"/>
+    <p:sldId id="259" r:id="rId4"/>
+    <p:sldId id="260" r:id="rId5"/>
+    <p:sldId id="261" r:id="rId6"/>
+    <p:sldId id="262" r:id="rId7"/>
+    <p:sldId id="263" r:id="rId8"/>
   </p:sldIdLst>
   <p:sldSz cx="12192000" cy="6858000"/>
   <p:notesSz cx="6858000" cy="9144000"/>
@@ -266,7 +265,7 @@
           <a:p>
             <a:fld id="{8A9E0750-BBB9-428C-9ADC-A537D104C9F9}" type="datetimeFigureOut">
               <a:rPr lang="en-US" smtClean="0"/>
-              <a:t>9/12/2020</a:t>
+              <a:t>9/13/2020</a:t>
             </a:fld>
             <a:endParaRPr lang="en-US"/>
           </a:p>
@@ -464,7 +463,7 @@
           <a:p>
             <a:fld id="{8A9E0750-BBB9-428C-9ADC-A537D104C9F9}" type="datetimeFigureOut">
               <a:rPr lang="en-US" smtClean="0"/>
-              <a:t>9/12/2020</a:t>
+              <a:t>9/13/2020</a:t>
             </a:fld>
             <a:endParaRPr lang="en-US"/>
           </a:p>
@@ -672,7 +671,7 @@
           <a:p>
             <a:fld id="{8A9E0750-BBB9-428C-9ADC-A537D104C9F9}" type="datetimeFigureOut">
               <a:rPr lang="en-US" smtClean="0"/>
-              <a:t>9/12/2020</a:t>
+              <a:t>9/13/2020</a:t>
             </a:fld>
             <a:endParaRPr lang="en-US"/>
           </a:p>
@@ -870,7 +869,7 @@
           <a:p>
             <a:fld id="{8A9E0750-BBB9-428C-9ADC-A537D104C9F9}" type="datetimeFigureOut">
               <a:rPr lang="en-US" smtClean="0"/>
-              <a:t>9/12/2020</a:t>
+              <a:t>9/13/2020</a:t>
             </a:fld>
             <a:endParaRPr lang="en-US"/>
           </a:p>
@@ -1145,7 +1144,7 @@
           <a:p>
             <a:fld id="{8A9E0750-BBB9-428C-9ADC-A537D104C9F9}" type="datetimeFigureOut">
               <a:rPr lang="en-US" smtClean="0"/>
-              <a:t>9/12/2020</a:t>
+              <a:t>9/13/2020</a:t>
             </a:fld>
             <a:endParaRPr lang="en-US"/>
           </a:p>
@@ -1410,7 +1409,7 @@
           <a:p>
             <a:fld id="{8A9E0750-BBB9-428C-9ADC-A537D104C9F9}" type="datetimeFigureOut">
               <a:rPr lang="en-US" smtClean="0"/>
-              <a:t>9/12/2020</a:t>
+              <a:t>9/13/2020</a:t>
             </a:fld>
             <a:endParaRPr lang="en-US"/>
           </a:p>
@@ -1822,7 +1821,7 @@
           <a:p>
             <a:fld id="{8A9E0750-BBB9-428C-9ADC-A537D104C9F9}" type="datetimeFigureOut">
               <a:rPr lang="en-US" smtClean="0"/>
-              <a:t>9/12/2020</a:t>
+              <a:t>9/13/2020</a:t>
             </a:fld>
             <a:endParaRPr lang="en-US"/>
           </a:p>
@@ -1963,7 +1962,7 @@
           <a:p>
             <a:fld id="{8A9E0750-BBB9-428C-9ADC-A537D104C9F9}" type="datetimeFigureOut">
               <a:rPr lang="en-US" smtClean="0"/>
-              <a:t>9/12/2020</a:t>
+              <a:t>9/13/2020</a:t>
             </a:fld>
             <a:endParaRPr lang="en-US"/>
           </a:p>
@@ -2076,7 +2075,7 @@
           <a:p>
             <a:fld id="{8A9E0750-BBB9-428C-9ADC-A537D104C9F9}" type="datetimeFigureOut">
               <a:rPr lang="en-US" smtClean="0"/>
-              <a:t>9/12/2020</a:t>
+              <a:t>9/13/2020</a:t>
             </a:fld>
             <a:endParaRPr lang="en-US"/>
           </a:p>
@@ -2387,7 +2386,7 @@
           <a:p>
             <a:fld id="{8A9E0750-BBB9-428C-9ADC-A537D104C9F9}" type="datetimeFigureOut">
               <a:rPr lang="en-US" smtClean="0"/>
-              <a:t>9/12/2020</a:t>
+              <a:t>9/13/2020</a:t>
             </a:fld>
             <a:endParaRPr lang="en-US"/>
           </a:p>
@@ -2675,7 +2674,7 @@
           <a:p>
             <a:fld id="{8A9E0750-BBB9-428C-9ADC-A537D104C9F9}" type="datetimeFigureOut">
               <a:rPr lang="en-US" smtClean="0"/>
-              <a:t>9/12/2020</a:t>
+              <a:t>9/13/2020</a:t>
             </a:fld>
             <a:endParaRPr lang="en-US"/>
           </a:p>
@@ -2916,7 +2915,7 @@
           <a:p>
             <a:fld id="{8A9E0750-BBB9-428C-9ADC-A537D104C9F9}" type="datetimeFigureOut">
               <a:rPr lang="en-US" smtClean="0"/>
-              <a:t>9/12/2020</a:t>
+              <a:t>9/13/2020</a:t>
             </a:fld>
             <a:endParaRPr lang="en-US"/>
           </a:p>
@@ -3375,7 +3374,7 @@
               <a:buChar char="•"/>
             </a:pPr>
             <a:r>
-              <a:rPr lang="en-GB" sz="3200" b="1" i="0" dirty="0">
+              <a:rPr lang="en-GB" sz="1800" i="0" dirty="0">
                 <a:effectLst/>
                 <a:latin typeface="-apple-system"/>
               </a:rPr>
@@ -3388,7 +3387,7 @@
               <a:buChar char="•"/>
             </a:pPr>
             <a:r>
-              <a:rPr lang="en-US" sz="3600" b="1" dirty="0"/>
+              <a:rPr lang="en-US" sz="1800" dirty="0"/>
               <a:t>Let is block scoped ,can be updated but cant be re-declare</a:t>
             </a:r>
           </a:p>
@@ -3398,7 +3397,7 @@
               <a:buChar char="•"/>
             </a:pPr>
             <a:r>
-              <a:rPr lang="en-US" sz="3600" b="1" dirty="0"/>
+              <a:rPr lang="en-US" sz="1800" dirty="0"/>
               <a:t>Const is block scoped , cant be updated and also cant be re-declare</a:t>
             </a:r>
           </a:p>
@@ -3483,7 +3482,7 @@
               <a:buChar char="•"/>
             </a:pPr>
             <a:r>
-              <a:rPr lang="en-GB" sz="3600" b="1" dirty="0"/>
+              <a:rPr lang="en-GB" sz="1800" dirty="0"/>
               <a:t>Arrows are a function shorthand using the =&gt; syntax.</a:t>
             </a:r>
           </a:p>
@@ -3493,7 +3492,7 @@
               <a:buChar char="•"/>
             </a:pPr>
             <a:r>
-              <a:rPr lang="en-GB" sz="3600" b="1" dirty="0"/>
+              <a:rPr lang="en-GB" sz="1800" dirty="0"/>
               <a:t>Limited and can't be used in all situations.</a:t>
             </a:r>
           </a:p>
@@ -3503,10 +3502,10 @@
               <a:buChar char="•"/>
             </a:pPr>
             <a:r>
-              <a:rPr lang="en-GB" sz="3600" b="1" dirty="0"/>
+              <a:rPr lang="en-GB" sz="1800" dirty="0"/>
               <a:t>Can’t be used as constructors or methods.</a:t>
             </a:r>
-            <a:endParaRPr lang="en-US" sz="3600" b="1" dirty="0"/>
+            <a:endParaRPr lang="en-US" sz="1800" dirty="0"/>
           </a:p>
         </p:txBody>
       </p:sp>
@@ -3558,298 +3557,47 @@
         </p:nvSpPr>
         <p:spPr>
           <a:xfrm>
-            <a:off x="234891" y="142612"/>
-            <a:ext cx="11820089" cy="6543413"/>
+            <a:off x="1524000" y="1249960"/>
+            <a:ext cx="9144000" cy="4007840"/>
           </a:xfrm>
         </p:spPr>
         <p:txBody>
-          <a:bodyPr>
-            <a:normAutofit fontScale="47500" lnSpcReduction="20000"/>
-          </a:bodyPr>
+          <a:bodyPr/>
           <a:lstStyle/>
           <a:p>
             <a:pPr algn="l"/>
-            <a:r>
-              <a:rPr lang="en-US" sz="5800" b="1" dirty="0">
-                <a:solidFill>
-                  <a:srgbClr val="FF0000"/>
-                </a:solidFill>
-                <a:effectLst/>
-                <a:latin typeface="Consolas" panose="020B0609020204030204" pitchFamily="49" charset="0"/>
-              </a:rPr>
-              <a:t>Output of this code ?</a:t>
-            </a:r>
+            <a:endParaRPr lang="en-US" dirty="0"/>
           </a:p>
           <a:p>
             <a:pPr algn="l"/>
-            <a:endParaRPr lang="en-US" b="0" dirty="0">
-              <a:solidFill>
-                <a:srgbClr val="000000"/>
-              </a:solidFill>
-              <a:effectLst/>
-              <a:latin typeface="Consolas" panose="020B0609020204030204" pitchFamily="49" charset="0"/>
-            </a:endParaRPr>
-          </a:p>
-          <a:p>
-            <a:pPr algn="l"/>
-            <a:r>
-              <a:rPr lang="en-US" sz="7400" b="0" dirty="0">
-                <a:solidFill>
-                  <a:srgbClr val="000000"/>
-                </a:solidFill>
-                <a:effectLst/>
-                <a:latin typeface="Consolas" panose="020B0609020204030204" pitchFamily="49" charset="0"/>
-              </a:rPr>
-              <a:t>var bob = {</a:t>
-            </a:r>
-          </a:p>
-          <a:p>
-            <a:pPr lvl="1" algn="l"/>
-            <a:r>
-              <a:rPr lang="en-US" sz="7400" b="0" dirty="0">
-                <a:solidFill>
-                  <a:srgbClr val="000000"/>
-                </a:solidFill>
-                <a:effectLst/>
-                <a:latin typeface="Consolas" panose="020B0609020204030204" pitchFamily="49" charset="0"/>
-              </a:rPr>
-              <a:t>_name: "Bob",</a:t>
-            </a:r>
-          </a:p>
-          <a:p>
-            <a:pPr lvl="1" algn="l"/>
-            <a:r>
-              <a:rPr lang="en-US" sz="7400" b="0" dirty="0">
-                <a:solidFill>
-                  <a:srgbClr val="000000"/>
-                </a:solidFill>
-                <a:effectLst/>
-                <a:latin typeface="Consolas" panose="020B0609020204030204" pitchFamily="49" charset="0"/>
-              </a:rPr>
-              <a:t>_friends: ['</a:t>
-            </a:r>
-            <a:r>
-              <a:rPr lang="en-US" sz="7400" b="0" dirty="0" err="1">
-                <a:solidFill>
-                  <a:srgbClr val="000000"/>
-                </a:solidFill>
-                <a:effectLst/>
-                <a:latin typeface="Consolas" panose="020B0609020204030204" pitchFamily="49" charset="0"/>
-              </a:rPr>
-              <a:t>krishna</a:t>
-            </a:r>
-            <a:r>
-              <a:rPr lang="en-US" sz="7400" b="0" dirty="0">
-                <a:solidFill>
-                  <a:srgbClr val="000000"/>
-                </a:solidFill>
-                <a:effectLst/>
-                <a:latin typeface="Consolas" panose="020B0609020204030204" pitchFamily="49" charset="0"/>
-              </a:rPr>
-              <a:t>','</a:t>
-            </a:r>
-            <a:r>
-              <a:rPr lang="en-US" sz="7400" b="0" dirty="0" err="1">
-                <a:solidFill>
-                  <a:srgbClr val="000000"/>
-                </a:solidFill>
-                <a:effectLst/>
-                <a:latin typeface="Consolas" panose="020B0609020204030204" pitchFamily="49" charset="0"/>
-              </a:rPr>
-              <a:t>ramesh</a:t>
-            </a:r>
-            <a:r>
-              <a:rPr lang="en-US" sz="7400" b="0" dirty="0">
-                <a:solidFill>
-                  <a:srgbClr val="000000"/>
-                </a:solidFill>
-                <a:effectLst/>
-                <a:latin typeface="Consolas" panose="020B0609020204030204" pitchFamily="49" charset="0"/>
-              </a:rPr>
-              <a:t>’],</a:t>
-            </a:r>
-          </a:p>
-          <a:p>
-            <a:pPr lvl="1" algn="l"/>
-            <a:endParaRPr lang="en-US" sz="7400" b="0" dirty="0">
-              <a:solidFill>
-                <a:srgbClr val="000000"/>
-              </a:solidFill>
-              <a:effectLst/>
-              <a:latin typeface="Consolas" panose="020B0609020204030204" pitchFamily="49" charset="0"/>
-            </a:endParaRPr>
-          </a:p>
-          <a:p>
-            <a:pPr lvl="1" algn="l"/>
-            <a:r>
-              <a:rPr lang="en-US" sz="7400" b="0" dirty="0" err="1">
-                <a:solidFill>
-                  <a:srgbClr val="000000"/>
-                </a:solidFill>
-                <a:effectLst/>
-                <a:latin typeface="Consolas" panose="020B0609020204030204" pitchFamily="49" charset="0"/>
-              </a:rPr>
-              <a:t>printFriends</a:t>
-            </a:r>
-            <a:r>
-              <a:rPr lang="en-US" sz="7400" b="0" dirty="0">
-                <a:solidFill>
-                  <a:srgbClr val="000000"/>
-                </a:solidFill>
-                <a:effectLst/>
-                <a:latin typeface="Consolas" panose="020B0609020204030204" pitchFamily="49" charset="0"/>
-              </a:rPr>
-              <a:t> =() =&gt; {</a:t>
-            </a:r>
-          </a:p>
-          <a:p>
-            <a:pPr lvl="2" algn="l"/>
-            <a:r>
-              <a:rPr lang="en-US" sz="7400" b="0" dirty="0">
-                <a:solidFill>
-                  <a:srgbClr val="000000"/>
-                </a:solidFill>
-                <a:effectLst/>
-                <a:latin typeface="Consolas" panose="020B0609020204030204" pitchFamily="49" charset="0"/>
-              </a:rPr>
-              <a:t>this._</a:t>
-            </a:r>
-            <a:r>
-              <a:rPr lang="en-US" sz="7400" b="0" dirty="0" err="1">
-                <a:solidFill>
-                  <a:srgbClr val="000000"/>
-                </a:solidFill>
-                <a:effectLst/>
-                <a:latin typeface="Consolas" panose="020B0609020204030204" pitchFamily="49" charset="0"/>
-              </a:rPr>
-              <a:t>friends.forEach</a:t>
-            </a:r>
-            <a:r>
-              <a:rPr lang="en-US" sz="7400" b="0" dirty="0">
-                <a:solidFill>
-                  <a:srgbClr val="000000"/>
-                </a:solidFill>
-                <a:effectLst/>
-                <a:latin typeface="Consolas" panose="020B0609020204030204" pitchFamily="49" charset="0"/>
-              </a:rPr>
-              <a:t>(f =&gt;</a:t>
-            </a:r>
-          </a:p>
-          <a:p>
-            <a:pPr lvl="2" algn="l"/>
-            <a:r>
-              <a:rPr lang="en-US" sz="7400" b="0" dirty="0">
-                <a:solidFill>
-                  <a:srgbClr val="000000"/>
-                </a:solidFill>
-                <a:effectLst/>
-                <a:latin typeface="Consolas" panose="020B0609020204030204" pitchFamily="49" charset="0"/>
-              </a:rPr>
-              <a:t>console.log(</a:t>
-            </a:r>
-            <a:r>
-              <a:rPr lang="en-US" sz="7400" b="0" dirty="0" err="1">
-                <a:solidFill>
-                  <a:srgbClr val="000000"/>
-                </a:solidFill>
-                <a:effectLst/>
-                <a:latin typeface="Consolas" panose="020B0609020204030204" pitchFamily="49" charset="0"/>
-              </a:rPr>
-              <a:t>this._name</a:t>
-            </a:r>
-            <a:r>
-              <a:rPr lang="en-US" sz="7400" b="0" dirty="0">
-                <a:solidFill>
-                  <a:srgbClr val="000000"/>
-                </a:solidFill>
-                <a:effectLst/>
-                <a:latin typeface="Consolas" panose="020B0609020204030204" pitchFamily="49" charset="0"/>
-              </a:rPr>
-              <a:t> + " knows " + f)</a:t>
-            </a:r>
-          </a:p>
-          <a:p>
-            <a:pPr lvl="2" algn="l"/>
-            <a:r>
-              <a:rPr lang="en-US" sz="7400" b="0" dirty="0">
-                <a:solidFill>
-                  <a:srgbClr val="000000"/>
-                </a:solidFill>
-                <a:effectLst/>
-                <a:latin typeface="Consolas" panose="020B0609020204030204" pitchFamily="49" charset="0"/>
-              </a:rPr>
-              <a:t>);</a:t>
-            </a:r>
-          </a:p>
-          <a:p>
-            <a:pPr lvl="1" algn="l"/>
-            <a:r>
-              <a:rPr lang="en-US" sz="7400" b="0" dirty="0">
-                <a:solidFill>
-                  <a:srgbClr val="000000"/>
-                </a:solidFill>
-                <a:effectLst/>
-                <a:latin typeface="Consolas" panose="020B0609020204030204" pitchFamily="49" charset="0"/>
-              </a:rPr>
-              <a:t>}</a:t>
-            </a:r>
-          </a:p>
-          <a:p>
-            <a:pPr algn="l"/>
-            <a:r>
-              <a:rPr lang="en-US" sz="7400" b="0" dirty="0">
-                <a:solidFill>
-                  <a:srgbClr val="000000"/>
-                </a:solidFill>
-                <a:effectLst/>
-                <a:latin typeface="Consolas" panose="020B0609020204030204" pitchFamily="49" charset="0"/>
-              </a:rPr>
-              <a:t>}</a:t>
-            </a:r>
-          </a:p>
-          <a:p>
-            <a:pPr algn="l"/>
-            <a:r>
-              <a:rPr lang="en-US" sz="7400" b="0" dirty="0">
-                <a:solidFill>
-                  <a:srgbClr val="000000"/>
-                </a:solidFill>
-                <a:effectLst/>
-                <a:latin typeface="Consolas" panose="020B0609020204030204" pitchFamily="49" charset="0"/>
-              </a:rPr>
-              <a:t>console.log(</a:t>
-            </a:r>
-            <a:r>
-              <a:rPr lang="en-US" sz="7400" b="0" dirty="0" err="1">
-                <a:solidFill>
-                  <a:srgbClr val="000000"/>
-                </a:solidFill>
-                <a:effectLst/>
-                <a:latin typeface="Consolas" panose="020B0609020204030204" pitchFamily="49" charset="0"/>
-              </a:rPr>
-              <a:t>bob.printFriends</a:t>
-            </a:r>
-            <a:r>
-              <a:rPr lang="en-US" sz="7400" b="0" dirty="0">
-                <a:solidFill>
-                  <a:srgbClr val="000000"/>
-                </a:solidFill>
-                <a:effectLst/>
-                <a:latin typeface="Consolas" panose="020B0609020204030204" pitchFamily="49" charset="0"/>
-              </a:rPr>
-              <a:t>())</a:t>
-            </a:r>
-          </a:p>
-          <a:p>
-            <a:pPr algn="l"/>
-            <a:endParaRPr lang="en-US" b="1" dirty="0"/>
+            <a:r>
+              <a:rPr lang="en-US" sz="3600" b="1" dirty="0"/>
+              <a:t>Destructing:</a:t>
+            </a:r>
+          </a:p>
+          <a:p>
+            <a:pPr marL="800100" lvl="1" indent="-342900" algn="l">
+              <a:buFont typeface="Arial" panose="020B0604020202020204" pitchFamily="34" charset="0"/>
+              <a:buChar char="•"/>
+            </a:pPr>
+            <a:r>
+              <a:rPr lang="en-US" sz="1800" dirty="0"/>
+              <a:t>To unpack / extract values from arrays and objects</a:t>
+            </a:r>
+          </a:p>
+          <a:p>
+            <a:pPr marL="800100" lvl="1" indent="-342900" algn="l">
+              <a:buFont typeface="Arial" panose="020B0604020202020204" pitchFamily="34" charset="0"/>
+              <a:buChar char="•"/>
+            </a:pPr>
+            <a:endParaRPr lang="en-US" sz="3600" b="1" dirty="0"/>
           </a:p>
         </p:txBody>
       </p:sp>
     </p:spTree>
     <p:extLst>
       <p:ext uri="{BB962C8B-B14F-4D97-AF65-F5344CB8AC3E}">
-        <p14:creationId xmlns:p14="http://schemas.microsoft.com/office/powerpoint/2010/main" val="312802328"/>
+        <p14:creationId xmlns:p14="http://schemas.microsoft.com/office/powerpoint/2010/main" val="1432874729"/>
       </p:ext>
     </p:extLst>
   </p:cSld>
@@ -3909,7 +3657,7 @@
             <a:pPr algn="l"/>
             <a:r>
               <a:rPr lang="en-US" sz="3600" b="1" dirty="0"/>
-              <a:t>Destructing:</a:t>
+              <a:t>Module System:</a:t>
             </a:r>
           </a:p>
           <a:p>
@@ -3918,8 +3666,8 @@
               <a:buChar char="•"/>
             </a:pPr>
             <a:r>
-              <a:rPr lang="en-US" sz="3600" b="1" dirty="0"/>
-              <a:t>To unpack / extract values from arrays and objects</a:t>
+              <a:rPr lang="en-US" sz="1800" dirty="0"/>
+              <a:t>Useful for writing reusable JavaScript Codes and organizing your codes.</a:t>
             </a:r>
           </a:p>
           <a:p>
@@ -3934,7 +3682,7 @@
     </p:spTree>
     <p:extLst>
       <p:ext uri="{BB962C8B-B14F-4D97-AF65-F5344CB8AC3E}">
-        <p14:creationId xmlns:p14="http://schemas.microsoft.com/office/powerpoint/2010/main" val="1432874729"/>
+        <p14:creationId xmlns:p14="http://schemas.microsoft.com/office/powerpoint/2010/main" val="910959098"/>
       </p:ext>
     </p:extLst>
   </p:cSld>
@@ -3994,7 +3742,7 @@
             <a:pPr algn="l"/>
             <a:r>
               <a:rPr lang="en-US" sz="3600" b="1" dirty="0"/>
-              <a:t>Module System:</a:t>
+              <a:t>Template Literals:</a:t>
             </a:r>
           </a:p>
           <a:p>
@@ -4003,8 +3751,8 @@
               <a:buChar char="•"/>
             </a:pPr>
             <a:r>
-              <a:rPr lang="en-US" sz="3600" b="1" dirty="0"/>
-              <a:t>Useful for writing reusable JavaScript Codes and organizing your codes.</a:t>
+              <a:rPr lang="en-US" sz="1800" dirty="0"/>
+              <a:t>ES6 has new way to create strings.</a:t>
             </a:r>
           </a:p>
           <a:p>
@@ -4019,7 +3767,7 @@
     </p:spTree>
     <p:extLst>
       <p:ext uri="{BB962C8B-B14F-4D97-AF65-F5344CB8AC3E}">
-        <p14:creationId xmlns:p14="http://schemas.microsoft.com/office/powerpoint/2010/main" val="910959098"/>
+        <p14:creationId xmlns:p14="http://schemas.microsoft.com/office/powerpoint/2010/main" val="2536308904"/>
       </p:ext>
     </p:extLst>
   </p:cSld>
@@ -4079,7 +3827,7 @@
             <a:pPr algn="l"/>
             <a:r>
               <a:rPr lang="en-US" sz="3600" b="1" dirty="0"/>
-              <a:t>Template Literals:</a:t>
+              <a:t>Spread Operator:</a:t>
             </a:r>
           </a:p>
           <a:p>
@@ -4088,8 +3836,18 @@
               <a:buChar char="•"/>
             </a:pPr>
             <a:r>
-              <a:rPr lang="en-US" sz="3600" b="1" dirty="0"/>
-              <a:t>ES6 has new way to create strings.</a:t>
+              <a:rPr lang="en-US" sz="1800" dirty="0"/>
+              <a:t>To combine two multiple arrays into single arrays</a:t>
+            </a:r>
+          </a:p>
+          <a:p>
+            <a:pPr marL="800100" lvl="1" indent="-342900" algn="l">
+              <a:buFont typeface="Arial" panose="020B0604020202020204" pitchFamily="34" charset="0"/>
+              <a:buChar char="•"/>
+            </a:pPr>
+            <a:r>
+              <a:rPr lang="en-US" sz="1800" dirty="0"/>
+              <a:t>Useful in many scenarios</a:t>
             </a:r>
           </a:p>
           <a:p>
@@ -4104,7 +3862,7 @@
     </p:spTree>
     <p:extLst>
       <p:ext uri="{BB962C8B-B14F-4D97-AF65-F5344CB8AC3E}">
-        <p14:creationId xmlns:p14="http://schemas.microsoft.com/office/powerpoint/2010/main" val="2536308904"/>
+        <p14:creationId xmlns:p14="http://schemas.microsoft.com/office/powerpoint/2010/main" val="1990537894"/>
       </p:ext>
     </p:extLst>
   </p:cSld>
@@ -4164,7 +3922,7 @@
             <a:pPr algn="l"/>
             <a:r>
               <a:rPr lang="en-US" sz="3600" b="1" dirty="0"/>
-              <a:t>Spread Operator:</a:t>
+              <a:t>Array Methods – Map &amp; Filter:</a:t>
             </a:r>
           </a:p>
           <a:p>
@@ -4173,102 +3931,7 @@
               <a:buChar char="•"/>
             </a:pPr>
             <a:r>
-              <a:rPr lang="en-US" sz="3600" b="1" dirty="0"/>
-              <a:t>To combine two multiple arrays into single arrays</a:t>
-            </a:r>
-          </a:p>
-          <a:p>
-            <a:pPr marL="800100" lvl="1" indent="-342900" algn="l">
-              <a:buFont typeface="Arial" panose="020B0604020202020204" pitchFamily="34" charset="0"/>
-              <a:buChar char="•"/>
-            </a:pPr>
-            <a:r>
-              <a:rPr lang="en-US" sz="3600" b="1" dirty="0"/>
-              <a:t>Useful in many scenarios</a:t>
-            </a:r>
-          </a:p>
-          <a:p>
-            <a:pPr marL="800100" lvl="1" indent="-342900" algn="l">
-              <a:buFont typeface="Arial" panose="020B0604020202020204" pitchFamily="34" charset="0"/>
-              <a:buChar char="•"/>
-            </a:pPr>
-            <a:endParaRPr lang="en-US" sz="3600" b="1" dirty="0"/>
-          </a:p>
-        </p:txBody>
-      </p:sp>
-    </p:spTree>
-    <p:extLst>
-      <p:ext uri="{BB962C8B-B14F-4D97-AF65-F5344CB8AC3E}">
-        <p14:creationId xmlns:p14="http://schemas.microsoft.com/office/powerpoint/2010/main" val="1990537894"/>
-      </p:ext>
-    </p:extLst>
-  </p:cSld>
-  <p:clrMapOvr>
-    <a:masterClrMapping/>
-  </p:clrMapOvr>
-</p:sld>
-</file>
-
-<file path=ppt/slides/slide8.xml><?xml version="1.0" encoding="utf-8"?>
-<p:sld xmlns:a="http://schemas.openxmlformats.org/drawingml/2006/main" xmlns:r="http://schemas.openxmlformats.org/officeDocument/2006/relationships" xmlns:p="http://schemas.openxmlformats.org/presentationml/2006/main">
-  <p:cSld>
-    <p:spTree>
-      <p:nvGrpSpPr>
-        <p:cNvPr id="1" name=""/>
-        <p:cNvGrpSpPr/>
-        <p:nvPr/>
-      </p:nvGrpSpPr>
-      <p:grpSpPr>
-        <a:xfrm>
-          <a:off x="0" y="0"/>
-          <a:ext cx="0" cy="0"/>
-          <a:chOff x="0" y="0"/>
-          <a:chExt cx="0" cy="0"/>
-        </a:xfrm>
-      </p:grpSpPr>
-      <p:sp>
-        <p:nvSpPr>
-          <p:cNvPr id="5" name="Subtitle 4">
-            <a:extLst>
-              <a:ext uri="{FF2B5EF4-FFF2-40B4-BE49-F238E27FC236}">
-                <a16:creationId xmlns:a16="http://schemas.microsoft.com/office/drawing/2014/main" id="{3C4756CA-7D4E-4D39-B25A-6577E80AEF04}"/>
-              </a:ext>
-            </a:extLst>
-          </p:cNvPr>
-          <p:cNvSpPr>
-            <a:spLocks noGrp="1"/>
-          </p:cNvSpPr>
-          <p:nvPr>
-            <p:ph type="subTitle" idx="1"/>
-          </p:nvPr>
-        </p:nvSpPr>
-        <p:spPr>
-          <a:xfrm>
-            <a:off x="1524000" y="1249960"/>
-            <a:ext cx="9144000" cy="4007840"/>
-          </a:xfrm>
-        </p:spPr>
-        <p:txBody>
-          <a:bodyPr/>
-          <a:lstStyle/>
-          <a:p>
-            <a:pPr algn="l"/>
-            <a:endParaRPr lang="en-US" dirty="0"/>
-          </a:p>
-          <a:p>
-            <a:pPr algn="l"/>
-            <a:r>
-              <a:rPr lang="en-US" sz="3600" b="1" dirty="0"/>
-              <a:t>Array Methods – Map &amp; Filter:</a:t>
-            </a:r>
-          </a:p>
-          <a:p>
-            <a:pPr marL="800100" lvl="1" indent="-342900" algn="l">
-              <a:buFont typeface="Arial" panose="020B0604020202020204" pitchFamily="34" charset="0"/>
-              <a:buChar char="•"/>
-            </a:pPr>
-            <a:r>
-              <a:rPr lang="en-US" sz="3600" b="1" dirty="0"/>
+              <a:rPr lang="en-US" sz="1800" dirty="0"/>
               <a:t>Lets see in action</a:t>
             </a:r>
           </a:p>
